--- a/1.pptx
+++ b/1.pptx
@@ -105,6 +105,11 @@
       </a:defRPr>
     </a:lvl9pPr>
   </p:defaultTextStyle>
+  <p:extLst>
+    <p:ext uri="{EFAFB233-063F-42B5-8137-9DF3F51BA10A}">
+      <p15:sldGuideLst xmlns:p15="http://schemas.microsoft.com/office/powerpoint/2012/main"/>
+    </p:ext>
+  </p:extLst>
 </p:presentation>
 </file>
 
@@ -255,7 +260,7 @@
           <a:p>
             <a:fld id="{3D415BB7-43BB-4613-80D1-F06B25D66269}" type="datetimeFigureOut">
               <a:rPr lang="ko-KR" altLang="en-US" smtClean="0"/>
-              <a:t>2018-07-25</a:t>
+              <a:t>2018-09-06</a:t>
             </a:fld>
             <a:endParaRPr lang="ko-KR" altLang="en-US"/>
           </a:p>
@@ -453,7 +458,7 @@
           <a:p>
             <a:fld id="{3D415BB7-43BB-4613-80D1-F06B25D66269}" type="datetimeFigureOut">
               <a:rPr lang="ko-KR" altLang="en-US" smtClean="0"/>
-              <a:t>2018-07-25</a:t>
+              <a:t>2018-09-06</a:t>
             </a:fld>
             <a:endParaRPr lang="ko-KR" altLang="en-US"/>
           </a:p>
@@ -661,7 +666,7 @@
           <a:p>
             <a:fld id="{3D415BB7-43BB-4613-80D1-F06B25D66269}" type="datetimeFigureOut">
               <a:rPr lang="ko-KR" altLang="en-US" smtClean="0"/>
-              <a:t>2018-07-25</a:t>
+              <a:t>2018-09-06</a:t>
             </a:fld>
             <a:endParaRPr lang="ko-KR" altLang="en-US"/>
           </a:p>
@@ -859,7 +864,7 @@
           <a:p>
             <a:fld id="{3D415BB7-43BB-4613-80D1-F06B25D66269}" type="datetimeFigureOut">
               <a:rPr lang="ko-KR" altLang="en-US" smtClean="0"/>
-              <a:t>2018-07-25</a:t>
+              <a:t>2018-09-06</a:t>
             </a:fld>
             <a:endParaRPr lang="ko-KR" altLang="en-US"/>
           </a:p>
@@ -1134,7 +1139,7 @@
           <a:p>
             <a:fld id="{3D415BB7-43BB-4613-80D1-F06B25D66269}" type="datetimeFigureOut">
               <a:rPr lang="ko-KR" altLang="en-US" smtClean="0"/>
-              <a:t>2018-07-25</a:t>
+              <a:t>2018-09-06</a:t>
             </a:fld>
             <a:endParaRPr lang="ko-KR" altLang="en-US"/>
           </a:p>
@@ -1399,7 +1404,7 @@
           <a:p>
             <a:fld id="{3D415BB7-43BB-4613-80D1-F06B25D66269}" type="datetimeFigureOut">
               <a:rPr lang="ko-KR" altLang="en-US" smtClean="0"/>
-              <a:t>2018-07-25</a:t>
+              <a:t>2018-09-06</a:t>
             </a:fld>
             <a:endParaRPr lang="ko-KR" altLang="en-US"/>
           </a:p>
@@ -1811,7 +1816,7 @@
           <a:p>
             <a:fld id="{3D415BB7-43BB-4613-80D1-F06B25D66269}" type="datetimeFigureOut">
               <a:rPr lang="ko-KR" altLang="en-US" smtClean="0"/>
-              <a:t>2018-07-25</a:t>
+              <a:t>2018-09-06</a:t>
             </a:fld>
             <a:endParaRPr lang="ko-KR" altLang="en-US"/>
           </a:p>
@@ -1952,7 +1957,7 @@
           <a:p>
             <a:fld id="{3D415BB7-43BB-4613-80D1-F06B25D66269}" type="datetimeFigureOut">
               <a:rPr lang="ko-KR" altLang="en-US" smtClean="0"/>
-              <a:t>2018-07-25</a:t>
+              <a:t>2018-09-06</a:t>
             </a:fld>
             <a:endParaRPr lang="ko-KR" altLang="en-US"/>
           </a:p>
@@ -2065,7 +2070,7 @@
           <a:p>
             <a:fld id="{3D415BB7-43BB-4613-80D1-F06B25D66269}" type="datetimeFigureOut">
               <a:rPr lang="ko-KR" altLang="en-US" smtClean="0"/>
-              <a:t>2018-07-25</a:t>
+              <a:t>2018-09-06</a:t>
             </a:fld>
             <a:endParaRPr lang="ko-KR" altLang="en-US"/>
           </a:p>
@@ -2376,7 +2381,7 @@
           <a:p>
             <a:fld id="{3D415BB7-43BB-4613-80D1-F06B25D66269}" type="datetimeFigureOut">
               <a:rPr lang="ko-KR" altLang="en-US" smtClean="0"/>
-              <a:t>2018-07-25</a:t>
+              <a:t>2018-09-06</a:t>
             </a:fld>
             <a:endParaRPr lang="ko-KR" altLang="en-US"/>
           </a:p>
@@ -2664,7 +2669,7 @@
           <a:p>
             <a:fld id="{3D415BB7-43BB-4613-80D1-F06B25D66269}" type="datetimeFigureOut">
               <a:rPr lang="ko-KR" altLang="en-US" smtClean="0"/>
-              <a:t>2018-07-25</a:t>
+              <a:t>2018-09-06</a:t>
             </a:fld>
             <a:endParaRPr lang="ko-KR" altLang="en-US"/>
           </a:p>
@@ -2905,7 +2910,7 @@
           <a:p>
             <a:fld id="{3D415BB7-43BB-4613-80D1-F06B25D66269}" type="datetimeFigureOut">
               <a:rPr lang="ko-KR" altLang="en-US" smtClean="0"/>
-              <a:t>2018-07-25</a:t>
+              <a:t>2018-09-06</a:t>
             </a:fld>
             <a:endParaRPr lang="ko-KR" altLang="en-US"/>
           </a:p>
@@ -3322,946 +3327,964 @@
           <a:chExt cx="0" cy="0"/>
         </a:xfrm>
       </p:grpSpPr>
-      <p:pic>
-        <p:nvPicPr>
-          <p:cNvPr id="1032" name="Picture 8" descr="Related image">
-            <a:extLst>
-              <a:ext uri="{FF2B5EF4-FFF2-40B4-BE49-F238E27FC236}">
-                <a16:creationId xmlns:a16="http://schemas.microsoft.com/office/drawing/2014/main" id="{8EBC3A6B-6AE1-4248-95F9-7434AA5679A7}"/>
-              </a:ext>
-            </a:extLst>
-          </p:cNvPr>
-          <p:cNvPicPr>
-            <a:picLocks noChangeAspect="1" noChangeArrowheads="1"/>
-          </p:cNvPicPr>
+      <p:grpSp>
+        <p:nvGrpSpPr>
+          <p:cNvPr id="5" name="그룹 4">
+            <a:extLst>
+              <a:ext uri="{FF2B5EF4-FFF2-40B4-BE49-F238E27FC236}">
+                <a16:creationId xmlns:a16="http://schemas.microsoft.com/office/drawing/2014/main" id="{40E9CE77-40E0-472D-B7DA-509B98F8AEF4}"/>
+              </a:ext>
+            </a:extLst>
+          </p:cNvPr>
+          <p:cNvGrpSpPr/>
           <p:nvPr/>
-        </p:nvPicPr>
-        <p:blipFill rotWithShape="1">
-          <a:blip r:embed="rId2">
-            <a:extLst>
-              <a:ext uri="{28A0092B-C50C-407E-A947-70E740481C1C}">
-                <a14:useLocalDpi xmlns:a14="http://schemas.microsoft.com/office/drawing/2010/main" val="0"/>
-              </a:ext>
-            </a:extLst>
-          </a:blip>
-          <a:srcRect l="24576" r="24783"/>
-          <a:stretch/>
-        </p:blipFill>
-        <p:spPr bwMode="auto">
+        </p:nvGrpSpPr>
+        <p:grpSpPr>
           <a:xfrm>
-            <a:off x="4603232" y="2649113"/>
-            <a:ext cx="1640761" cy="1080000"/>
+            <a:off x="808783" y="634371"/>
+            <a:ext cx="11054826" cy="5820868"/>
+            <a:chOff x="808783" y="634371"/>
+            <a:chExt cx="11054826" cy="5820868"/>
           </a:xfrm>
-          <a:prstGeom prst="rect">
-            <a:avLst/>
-          </a:prstGeom>
-          <a:noFill/>
-          <a:extLst>
-            <a:ext uri="{909E8E84-426E-40DD-AFC4-6F175D3DCCD1}">
-              <a14:hiddenFill xmlns:a14="http://schemas.microsoft.com/office/drawing/2010/main">
-                <a:solidFill>
-                  <a:srgbClr val="FFFFFF"/>
-                </a:solidFill>
-              </a14:hiddenFill>
-            </a:ext>
-          </a:extLst>
-        </p:spPr>
-      </p:pic>
-      <p:pic>
-        <p:nvPicPr>
-          <p:cNvPr id="1034" name="Picture 10" descr="Related image">
-            <a:extLst>
-              <a:ext uri="{FF2B5EF4-FFF2-40B4-BE49-F238E27FC236}">
-                <a16:creationId xmlns:a16="http://schemas.microsoft.com/office/drawing/2014/main" id="{B87D0B83-7CF7-4096-9981-6080D5E32A8C}"/>
-              </a:ext>
-            </a:extLst>
-          </p:cNvPr>
-          <p:cNvPicPr>
-            <a:picLocks noChangeAspect="1" noChangeArrowheads="1"/>
-          </p:cNvPicPr>
-          <p:nvPr/>
-        </p:nvPicPr>
-        <p:blipFill rotWithShape="1">
-          <a:blip r:embed="rId3">
-            <a:extLst>
-              <a:ext uri="{28A0092B-C50C-407E-A947-70E740481C1C}">
-                <a14:useLocalDpi xmlns:a14="http://schemas.microsoft.com/office/drawing/2010/main" val="0"/>
-              </a:ext>
-            </a:extLst>
-          </a:blip>
-          <a:srcRect l="18656" t="15100" r="19208" b="14065"/>
-          <a:stretch/>
-        </p:blipFill>
-        <p:spPr bwMode="auto">
-          <a:xfrm>
-            <a:off x="5261203" y="5242802"/>
-            <a:ext cx="789474" cy="900000"/>
-          </a:xfrm>
-          <a:prstGeom prst="rect">
-            <a:avLst/>
-          </a:prstGeom>
-          <a:noFill/>
-          <a:extLst>
-            <a:ext uri="{909E8E84-426E-40DD-AFC4-6F175D3DCCD1}">
-              <a14:hiddenFill xmlns:a14="http://schemas.microsoft.com/office/drawing/2010/main">
-                <a:solidFill>
-                  <a:srgbClr val="FFFFFF"/>
-                </a:solidFill>
-              </a14:hiddenFill>
-            </a:ext>
-          </a:extLst>
-        </p:spPr>
-      </p:pic>
-      <p:pic>
-        <p:nvPicPr>
-          <p:cNvPr id="9" name="그래픽 8" descr="사용자">
-            <a:extLst>
-              <a:ext uri="{FF2B5EF4-FFF2-40B4-BE49-F238E27FC236}">
-                <a16:creationId xmlns:a16="http://schemas.microsoft.com/office/drawing/2014/main" id="{5FB4477A-85B1-41C9-B60A-D4CD90894C94}"/>
-              </a:ext>
-            </a:extLst>
-          </p:cNvPr>
-          <p:cNvPicPr>
-            <a:picLocks noChangeAspect="1"/>
-          </p:cNvPicPr>
-          <p:nvPr/>
-        </p:nvPicPr>
-        <p:blipFill>
-          <a:blip r:embed="rId4">
-            <a:extLst>
-              <a:ext uri="{28A0092B-C50C-407E-A947-70E740481C1C}">
-                <a14:useLocalDpi xmlns:a14="http://schemas.microsoft.com/office/drawing/2010/main" val="0"/>
-              </a:ext>
-              <a:ext uri="{96DAC541-7B7A-43D3-8B79-37D633B846F1}">
-                <asvg:svgBlip xmlns:asvg="http://schemas.microsoft.com/office/drawing/2016/SVG/main" r:embed="rId5"/>
-              </a:ext>
-            </a:extLst>
-          </a:blip>
-          <a:stretch>
-            <a:fillRect/>
-          </a:stretch>
-        </p:blipFill>
-        <p:spPr>
-          <a:xfrm>
-            <a:off x="808783" y="3121674"/>
-            <a:ext cx="914400" cy="914400"/>
-          </a:xfrm>
-          <a:prstGeom prst="rect">
-            <a:avLst/>
-          </a:prstGeom>
-        </p:spPr>
-      </p:pic>
-      <p:pic>
-        <p:nvPicPr>
-          <p:cNvPr id="1028" name="Picture 4" descr="Image result for node">
-            <a:extLst>
-              <a:ext uri="{FF2B5EF4-FFF2-40B4-BE49-F238E27FC236}">
-                <a16:creationId xmlns:a16="http://schemas.microsoft.com/office/drawing/2014/main" id="{51CEE091-EBB3-4209-A463-019FF30F3D9E}"/>
-              </a:ext>
-            </a:extLst>
-          </p:cNvPr>
-          <p:cNvPicPr>
-            <a:picLocks noChangeAspect="1" noChangeArrowheads="1"/>
-          </p:cNvPicPr>
-          <p:nvPr/>
-        </p:nvPicPr>
-        <p:blipFill>
-          <a:blip r:embed="rId6">
-            <a:extLst>
-              <a:ext uri="{28A0092B-C50C-407E-A947-70E740481C1C}">
-                <a14:useLocalDpi xmlns:a14="http://schemas.microsoft.com/office/drawing/2010/main" val="0"/>
-              </a:ext>
-            </a:extLst>
-          </a:blip>
-          <a:srcRect/>
-          <a:stretch>
-            <a:fillRect/>
-          </a:stretch>
-        </p:blipFill>
-        <p:spPr bwMode="auto">
-          <a:xfrm>
-            <a:off x="6334689" y="2634906"/>
-            <a:ext cx="1033501" cy="648000"/>
-          </a:xfrm>
-          <a:prstGeom prst="rect">
-            <a:avLst/>
-          </a:prstGeom>
-          <a:noFill/>
-          <a:extLst>
-            <a:ext uri="{909E8E84-426E-40DD-AFC4-6F175D3DCCD1}">
-              <a14:hiddenFill xmlns:a14="http://schemas.microsoft.com/office/drawing/2010/main">
-                <a:solidFill>
-                  <a:srgbClr val="FFFFFF"/>
-                </a:solidFill>
-              </a14:hiddenFill>
-            </a:ext>
-          </a:extLst>
-        </p:spPr>
-      </p:pic>
-      <p:pic>
-        <p:nvPicPr>
-          <p:cNvPr id="12" name="그래픽 11" descr="모니터">
-            <a:extLst>
-              <a:ext uri="{FF2B5EF4-FFF2-40B4-BE49-F238E27FC236}">
-                <a16:creationId xmlns:a16="http://schemas.microsoft.com/office/drawing/2014/main" id="{F2253316-AE69-4F46-8742-78788AD077AA}"/>
-              </a:ext>
-            </a:extLst>
-          </p:cNvPr>
-          <p:cNvPicPr>
-            <a:picLocks noChangeAspect="1"/>
-          </p:cNvPicPr>
-          <p:nvPr/>
-        </p:nvPicPr>
-        <p:blipFill>
-          <a:blip r:embed="rId7">
-            <a:extLst>
-              <a:ext uri="{28A0092B-C50C-407E-A947-70E740481C1C}">
-                <a14:useLocalDpi xmlns:a14="http://schemas.microsoft.com/office/drawing/2010/main" val="0"/>
-              </a:ext>
-              <a:ext uri="{96DAC541-7B7A-43D3-8B79-37D633B846F1}">
-                <asvg:svgBlip xmlns:asvg="http://schemas.microsoft.com/office/drawing/2016/SVG/main" r:embed="rId8"/>
-              </a:ext>
-            </a:extLst>
-          </a:blip>
-          <a:stretch>
-            <a:fillRect/>
-          </a:stretch>
-        </p:blipFill>
-        <p:spPr>
-          <a:xfrm>
-            <a:off x="1907963" y="2514600"/>
-            <a:ext cx="914400" cy="914400"/>
-          </a:xfrm>
-          <a:prstGeom prst="rect">
-            <a:avLst/>
-          </a:prstGeom>
-        </p:spPr>
-      </p:pic>
-      <p:pic>
-        <p:nvPicPr>
-          <p:cNvPr id="14" name="그래픽 13" descr="스마트폰">
-            <a:extLst>
-              <a:ext uri="{FF2B5EF4-FFF2-40B4-BE49-F238E27FC236}">
-                <a16:creationId xmlns:a16="http://schemas.microsoft.com/office/drawing/2014/main" id="{20D644DA-E503-4C1B-83B8-13F8C6153EAA}"/>
-              </a:ext>
-            </a:extLst>
-          </p:cNvPr>
-          <p:cNvPicPr>
-            <a:picLocks noChangeAspect="1"/>
-          </p:cNvPicPr>
-          <p:nvPr/>
-        </p:nvPicPr>
-        <p:blipFill>
-          <a:blip r:embed="rId9">
-            <a:extLst>
-              <a:ext uri="{28A0092B-C50C-407E-A947-70E740481C1C}">
-                <a14:useLocalDpi xmlns:a14="http://schemas.microsoft.com/office/drawing/2010/main" val="0"/>
-              </a:ext>
-              <a:ext uri="{96DAC541-7B7A-43D3-8B79-37D633B846F1}">
-                <asvg:svgBlip xmlns:asvg="http://schemas.microsoft.com/office/drawing/2016/SVG/main" r:embed="rId10"/>
-              </a:ext>
-            </a:extLst>
-          </a:blip>
-          <a:stretch>
-            <a:fillRect/>
-          </a:stretch>
-        </p:blipFill>
-        <p:spPr>
-          <a:xfrm>
-            <a:off x="1909024" y="3768429"/>
-            <a:ext cx="914400" cy="914400"/>
-          </a:xfrm>
-          <a:prstGeom prst="rect">
-            <a:avLst/>
-          </a:prstGeom>
-        </p:spPr>
-      </p:pic>
-      <p:pic>
-        <p:nvPicPr>
-          <p:cNvPr id="13" name="Picture 12" descr="Image result for postgresql">
-            <a:extLst>
-              <a:ext uri="{FF2B5EF4-FFF2-40B4-BE49-F238E27FC236}">
-                <a16:creationId xmlns:a16="http://schemas.microsoft.com/office/drawing/2014/main" id="{57F23D55-4B6B-4CC1-89FF-E99902897C93}"/>
-              </a:ext>
-            </a:extLst>
-          </p:cNvPr>
-          <p:cNvPicPr>
-            <a:picLocks noChangeAspect="1" noChangeArrowheads="1"/>
-          </p:cNvPicPr>
-          <p:nvPr/>
-        </p:nvPicPr>
-        <p:blipFill>
-          <a:blip r:embed="rId11">
-            <a:extLst>
-              <a:ext uri="{28A0092B-C50C-407E-A947-70E740481C1C}">
-                <a14:useLocalDpi xmlns:a14="http://schemas.microsoft.com/office/drawing/2010/main" val="0"/>
-              </a:ext>
-            </a:extLst>
-          </a:blip>
-          <a:srcRect/>
-          <a:stretch>
-            <a:fillRect/>
-          </a:stretch>
-        </p:blipFill>
-        <p:spPr bwMode="auto">
-          <a:xfrm>
-            <a:off x="6164733" y="5259402"/>
-            <a:ext cx="1197843" cy="900000"/>
-          </a:xfrm>
-          <a:prstGeom prst="rect">
-            <a:avLst/>
-          </a:prstGeom>
-          <a:noFill/>
-          <a:extLst>
-            <a:ext uri="{909E8E84-426E-40DD-AFC4-6F175D3DCCD1}">
-              <a14:hiddenFill xmlns:a14="http://schemas.microsoft.com/office/drawing/2010/main">
-                <a:solidFill>
-                  <a:srgbClr val="FFFFFF"/>
-                </a:solidFill>
-              </a14:hiddenFill>
-            </a:ext>
-          </a:extLst>
-        </p:spPr>
-      </p:pic>
-      <p:pic>
-        <p:nvPicPr>
-          <p:cNvPr id="15" name="Picture 14" descr="Image result for webrtc">
-            <a:extLst>
-              <a:ext uri="{FF2B5EF4-FFF2-40B4-BE49-F238E27FC236}">
-                <a16:creationId xmlns:a16="http://schemas.microsoft.com/office/drawing/2014/main" id="{6A7D657A-C848-4A49-B094-ADBC25842026}"/>
-              </a:ext>
-            </a:extLst>
-          </p:cNvPr>
-          <p:cNvPicPr>
-            <a:picLocks noChangeAspect="1" noChangeArrowheads="1"/>
-          </p:cNvPicPr>
-          <p:nvPr/>
-        </p:nvPicPr>
-        <p:blipFill>
-          <a:blip r:embed="rId12">
-            <a:extLst>
-              <a:ext uri="{28A0092B-C50C-407E-A947-70E740481C1C}">
-                <a14:useLocalDpi xmlns:a14="http://schemas.microsoft.com/office/drawing/2010/main" val="0"/>
-              </a:ext>
-            </a:extLst>
-          </a:blip>
-          <a:srcRect/>
-          <a:stretch>
-            <a:fillRect/>
-          </a:stretch>
-        </p:blipFill>
-        <p:spPr bwMode="auto">
-          <a:xfrm>
-            <a:off x="10072152" y="634371"/>
-            <a:ext cx="1791457" cy="1440000"/>
-          </a:xfrm>
-          <a:prstGeom prst="rect">
-            <a:avLst/>
-          </a:prstGeom>
-          <a:noFill/>
-          <a:extLst>
-            <a:ext uri="{909E8E84-426E-40DD-AFC4-6F175D3DCCD1}">
-              <a14:hiddenFill xmlns:a14="http://schemas.microsoft.com/office/drawing/2010/main">
-                <a:solidFill>
-                  <a:srgbClr val="FFFFFF"/>
-                </a:solidFill>
-              </a14:hiddenFill>
-            </a:ext>
-          </a:extLst>
-        </p:spPr>
-      </p:pic>
-      <p:pic>
-        <p:nvPicPr>
-          <p:cNvPr id="2050" name="Picture 2" descr="Image result for ì½ëìëí° ìì´ì½">
-            <a:extLst>
-              <a:ext uri="{FF2B5EF4-FFF2-40B4-BE49-F238E27FC236}">
-                <a16:creationId xmlns:a16="http://schemas.microsoft.com/office/drawing/2014/main" id="{13DE752A-179B-42A0-AEC6-BBA9416D96E9}"/>
-              </a:ext>
-            </a:extLst>
-          </p:cNvPr>
-          <p:cNvPicPr>
-            <a:picLocks noChangeAspect="1" noChangeArrowheads="1"/>
-          </p:cNvPicPr>
-          <p:nvPr/>
-        </p:nvPicPr>
-        <p:blipFill rotWithShape="1">
-          <a:blip r:embed="rId13">
-            <a:extLst>
-              <a:ext uri="{28A0092B-C50C-407E-A947-70E740481C1C}">
-                <a14:useLocalDpi xmlns:a14="http://schemas.microsoft.com/office/drawing/2010/main" val="0"/>
-              </a:ext>
-            </a:extLst>
-          </a:blip>
-          <a:srcRect l="9068" t="14131" r="9379" b="14724"/>
-          <a:stretch/>
-        </p:blipFill>
-        <p:spPr bwMode="auto">
-          <a:xfrm>
-            <a:off x="10072152" y="3065400"/>
-            <a:ext cx="1650655" cy="1080000"/>
-          </a:xfrm>
-          <a:prstGeom prst="rect">
-            <a:avLst/>
-          </a:prstGeom>
-          <a:noFill/>
-          <a:extLst>
-            <a:ext uri="{909E8E84-426E-40DD-AFC4-6F175D3DCCD1}">
-              <a14:hiddenFill xmlns:a14="http://schemas.microsoft.com/office/drawing/2010/main">
-                <a:solidFill>
-                  <a:srgbClr val="FFFFFF"/>
-                </a:solidFill>
-              </a14:hiddenFill>
-            </a:ext>
-          </a:extLst>
-        </p:spPr>
-      </p:pic>
-      <p:pic>
-        <p:nvPicPr>
-          <p:cNvPr id="2052" name="Picture 4" descr="Image result for ì±ë´ ìì´ì½">
-            <a:extLst>
-              <a:ext uri="{FF2B5EF4-FFF2-40B4-BE49-F238E27FC236}">
-                <a16:creationId xmlns:a16="http://schemas.microsoft.com/office/drawing/2014/main" id="{80402300-450B-4761-BDF1-F6082BAD032E}"/>
-              </a:ext>
-            </a:extLst>
-          </p:cNvPr>
-          <p:cNvPicPr>
-            <a:picLocks noChangeAspect="1" noChangeArrowheads="1"/>
-          </p:cNvPicPr>
-          <p:nvPr/>
-        </p:nvPicPr>
-        <p:blipFill rotWithShape="1">
-          <a:blip r:embed="rId14">
-            <a:extLst>
-              <a:ext uri="{28A0092B-C50C-407E-A947-70E740481C1C}">
-                <a14:useLocalDpi xmlns:a14="http://schemas.microsoft.com/office/drawing/2010/main" val="0"/>
-              </a:ext>
-            </a:extLst>
-          </a:blip>
-          <a:srcRect l="26573" t="24717" r="28641" b="26624"/>
-          <a:stretch/>
-        </p:blipFill>
-        <p:spPr bwMode="auto">
-          <a:xfrm>
-            <a:off x="10400461" y="4855613"/>
-            <a:ext cx="994036" cy="1080000"/>
-          </a:xfrm>
-          <a:prstGeom prst="rect">
-            <a:avLst/>
-          </a:prstGeom>
-          <a:noFill/>
-          <a:extLst>
-            <a:ext uri="{909E8E84-426E-40DD-AFC4-6F175D3DCCD1}">
-              <a14:hiddenFill xmlns:a14="http://schemas.microsoft.com/office/drawing/2010/main">
-                <a:solidFill>
-                  <a:srgbClr val="FFFFFF"/>
-                </a:solidFill>
-              </a14:hiddenFill>
-            </a:ext>
-          </a:extLst>
-        </p:spPr>
-      </p:pic>
-      <p:sp>
-        <p:nvSpPr>
-          <p:cNvPr id="2" name="TextBox 1">
-            <a:extLst>
-              <a:ext uri="{FF2B5EF4-FFF2-40B4-BE49-F238E27FC236}">
-                <a16:creationId xmlns:a16="http://schemas.microsoft.com/office/drawing/2014/main" id="{587405FA-1720-403D-BA26-E278BB1BC056}"/>
-              </a:ext>
-            </a:extLst>
-          </p:cNvPr>
-          <p:cNvSpPr txBox="1"/>
-          <p:nvPr/>
-        </p:nvSpPr>
-        <p:spPr>
-          <a:xfrm>
-            <a:off x="10305678" y="2121701"/>
-            <a:ext cx="1324402" cy="307777"/>
-          </a:xfrm>
-          <a:prstGeom prst="rect">
-            <a:avLst/>
-          </a:prstGeom>
-          <a:noFill/>
-        </p:spPr>
-        <p:txBody>
-          <a:bodyPr wrap="none" rtlCol="0">
-            <a:spAutoFit/>
-          </a:bodyPr>
-          <a:lstStyle/>
-          <a:p>
-            <a:r>
-              <a:rPr lang="ko-KR" altLang="en-US" sz="1400"/>
-              <a:t>강의 스트리밍</a:t>
-            </a:r>
-            <a:endParaRPr lang="ko-KR" altLang="en-US" sz="1400" dirty="0"/>
-          </a:p>
-        </p:txBody>
-      </p:sp>
-      <p:sp>
-        <p:nvSpPr>
-          <p:cNvPr id="19" name="TextBox 18">
-            <a:extLst>
-              <a:ext uri="{FF2B5EF4-FFF2-40B4-BE49-F238E27FC236}">
-                <a16:creationId xmlns:a16="http://schemas.microsoft.com/office/drawing/2014/main" id="{9C61E05E-0FB6-4960-B71C-DBB791EA136E}"/>
-              </a:ext>
-            </a:extLst>
-          </p:cNvPr>
-          <p:cNvSpPr txBox="1"/>
-          <p:nvPr/>
-        </p:nvSpPr>
-        <p:spPr>
-          <a:xfrm>
-            <a:off x="10440331" y="4192729"/>
-            <a:ext cx="1055097" cy="307777"/>
-          </a:xfrm>
-          <a:prstGeom prst="rect">
-            <a:avLst/>
-          </a:prstGeom>
-          <a:noFill/>
-        </p:spPr>
-        <p:txBody>
-          <a:bodyPr wrap="none" rtlCol="0">
-            <a:spAutoFit/>
-          </a:bodyPr>
-          <a:lstStyle/>
-          <a:p>
-            <a:r>
-              <a:rPr lang="ko-KR" altLang="en-US" sz="1400" dirty="0"/>
-              <a:t>온라인 </a:t>
-            </a:r>
-            <a:r>
-              <a:rPr lang="en-US" altLang="ko-KR" sz="1400" dirty="0"/>
-              <a:t>IDE</a:t>
-            </a:r>
-            <a:endParaRPr lang="ko-KR" altLang="en-US" sz="1400" dirty="0"/>
-          </a:p>
-        </p:txBody>
-      </p:sp>
-      <p:sp>
-        <p:nvSpPr>
-          <p:cNvPr id="20" name="TextBox 19">
-            <a:extLst>
-              <a:ext uri="{FF2B5EF4-FFF2-40B4-BE49-F238E27FC236}">
-                <a16:creationId xmlns:a16="http://schemas.microsoft.com/office/drawing/2014/main" id="{85689C66-03D5-4003-90EB-2FFDDA48BB8F}"/>
-              </a:ext>
-            </a:extLst>
-          </p:cNvPr>
-          <p:cNvSpPr txBox="1"/>
-          <p:nvPr/>
-        </p:nvSpPr>
-        <p:spPr>
-          <a:xfrm>
-            <a:off x="10504582" y="5935613"/>
-            <a:ext cx="785793" cy="307777"/>
-          </a:xfrm>
-          <a:prstGeom prst="rect">
-            <a:avLst/>
-          </a:prstGeom>
-          <a:noFill/>
-        </p:spPr>
-        <p:txBody>
-          <a:bodyPr wrap="none" rtlCol="0">
-            <a:spAutoFit/>
-          </a:bodyPr>
-          <a:lstStyle/>
-          <a:p>
-            <a:r>
-              <a:rPr lang="ko-KR" altLang="en-US" sz="1400"/>
-              <a:t>튜터</a:t>
-            </a:r>
-            <a:r>
-              <a:rPr lang="ko-KR" altLang="en-US" sz="1400" dirty="0"/>
-              <a:t> 봇</a:t>
-            </a:r>
-          </a:p>
-        </p:txBody>
-      </p:sp>
-      <p:cxnSp>
-        <p:nvCxnSpPr>
-          <p:cNvPr id="21" name="직선 연결선 20">
-            <a:extLst>
-              <a:ext uri="{FF2B5EF4-FFF2-40B4-BE49-F238E27FC236}">
-                <a16:creationId xmlns:a16="http://schemas.microsoft.com/office/drawing/2014/main" id="{37CAA655-9275-468D-9331-80FC6F027435}"/>
-              </a:ext>
-            </a:extLst>
-          </p:cNvPr>
-          <p:cNvCxnSpPr/>
-          <p:nvPr/>
-        </p:nvCxnSpPr>
-        <p:spPr>
-          <a:xfrm>
-            <a:off x="9756558" y="702509"/>
-            <a:ext cx="0" cy="5752730"/>
-          </a:xfrm>
-          <a:prstGeom prst="line">
-            <a:avLst/>
-          </a:prstGeom>
-          <a:ln w="28575"/>
-        </p:spPr>
-        <p:style>
-          <a:lnRef idx="1">
-            <a:schemeClr val="accent1"/>
-          </a:lnRef>
-          <a:fillRef idx="0">
-            <a:schemeClr val="accent1"/>
-          </a:fillRef>
-          <a:effectRef idx="0">
-            <a:schemeClr val="accent1"/>
-          </a:effectRef>
-          <a:fontRef idx="minor">
-            <a:schemeClr val="tx1"/>
-          </a:fontRef>
-        </p:style>
-      </p:cxnSp>
-      <p:pic>
-        <p:nvPicPr>
-          <p:cNvPr id="2058" name="Picture 10" descr="Related image">
-            <a:extLst>
-              <a:ext uri="{FF2B5EF4-FFF2-40B4-BE49-F238E27FC236}">
-                <a16:creationId xmlns:a16="http://schemas.microsoft.com/office/drawing/2014/main" id="{8690263F-D68E-4631-BAE6-CF545A561984}"/>
-              </a:ext>
-            </a:extLst>
-          </p:cNvPr>
-          <p:cNvPicPr>
-            <a:picLocks noChangeAspect="1" noChangeArrowheads="1"/>
-          </p:cNvPicPr>
-          <p:nvPr/>
-        </p:nvPicPr>
-        <p:blipFill>
-          <a:blip r:embed="rId15">
-            <a:extLst>
-              <a:ext uri="{28A0092B-C50C-407E-A947-70E740481C1C}">
-                <a14:useLocalDpi xmlns:a14="http://schemas.microsoft.com/office/drawing/2010/main" val="0"/>
-              </a:ext>
-            </a:extLst>
-          </a:blip>
-          <a:srcRect/>
-          <a:stretch>
-            <a:fillRect/>
-          </a:stretch>
-        </p:blipFill>
-        <p:spPr bwMode="auto">
-          <a:xfrm>
-            <a:off x="6224926" y="1246653"/>
-            <a:ext cx="1201667" cy="1440000"/>
-          </a:xfrm>
-          <a:prstGeom prst="rect">
-            <a:avLst/>
-          </a:prstGeom>
-          <a:noFill/>
-          <a:extLst>
-            <a:ext uri="{909E8E84-426E-40DD-AFC4-6F175D3DCCD1}">
-              <a14:hiddenFill xmlns:a14="http://schemas.microsoft.com/office/drawing/2010/main">
-                <a:solidFill>
-                  <a:srgbClr val="FFFFFF"/>
-                </a:solidFill>
-              </a14:hiddenFill>
-            </a:ext>
-          </a:extLst>
-        </p:spPr>
-      </p:pic>
-      <p:pic>
-        <p:nvPicPr>
-          <p:cNvPr id="2062" name="Picture 14" descr="Related image">
-            <a:extLst>
-              <a:ext uri="{FF2B5EF4-FFF2-40B4-BE49-F238E27FC236}">
-                <a16:creationId xmlns:a16="http://schemas.microsoft.com/office/drawing/2014/main" id="{74A621D4-A5F7-4735-993F-28C9AA93E927}"/>
-              </a:ext>
-            </a:extLst>
-          </p:cNvPr>
-          <p:cNvPicPr>
-            <a:picLocks noChangeAspect="1" noChangeArrowheads="1"/>
-          </p:cNvPicPr>
-          <p:nvPr/>
-        </p:nvPicPr>
-        <p:blipFill rotWithShape="1">
-          <a:blip r:embed="rId16">
-            <a:extLst>
-              <a:ext uri="{28A0092B-C50C-407E-A947-70E740481C1C}">
-                <a14:useLocalDpi xmlns:a14="http://schemas.microsoft.com/office/drawing/2010/main" val="0"/>
-              </a:ext>
-            </a:extLst>
-          </a:blip>
-          <a:srcRect l="5477" t="15556" r="2950" b="18727"/>
-          <a:stretch/>
-        </p:blipFill>
-        <p:spPr bwMode="auto">
-          <a:xfrm>
-            <a:off x="4796550" y="1589911"/>
-            <a:ext cx="1254127" cy="900000"/>
-          </a:xfrm>
-          <a:prstGeom prst="rect">
-            <a:avLst/>
-          </a:prstGeom>
-          <a:noFill/>
-          <a:extLst>
-            <a:ext uri="{909E8E84-426E-40DD-AFC4-6F175D3DCCD1}">
-              <a14:hiddenFill xmlns:a14="http://schemas.microsoft.com/office/drawing/2010/main">
-                <a:solidFill>
-                  <a:srgbClr val="FFFFFF"/>
-                </a:solidFill>
-              </a14:hiddenFill>
-            </a:ext>
-          </a:extLst>
-        </p:spPr>
-      </p:pic>
-      <p:pic>
-        <p:nvPicPr>
-          <p:cNvPr id="1030" name="Picture 6" descr="Image result for koajs">
-            <a:extLst>
-              <a:ext uri="{FF2B5EF4-FFF2-40B4-BE49-F238E27FC236}">
-                <a16:creationId xmlns:a16="http://schemas.microsoft.com/office/drawing/2014/main" id="{EFDE09E3-FB39-4620-94F4-E9874087427A}"/>
-              </a:ext>
-            </a:extLst>
-          </p:cNvPr>
-          <p:cNvPicPr>
-            <a:picLocks noChangeAspect="1" noChangeArrowheads="1"/>
-          </p:cNvPicPr>
-          <p:nvPr/>
-        </p:nvPicPr>
-        <p:blipFill rotWithShape="1">
-          <a:blip r:embed="rId17">
-            <a:extLst>
-              <a:ext uri="{28A0092B-C50C-407E-A947-70E740481C1C}">
-                <a14:useLocalDpi xmlns:a14="http://schemas.microsoft.com/office/drawing/2010/main" val="0"/>
-              </a:ext>
-            </a:extLst>
-          </a:blip>
-          <a:srcRect l="12232" t="22137" r="11167" b="37734"/>
-          <a:stretch/>
-        </p:blipFill>
-        <p:spPr bwMode="auto">
-          <a:xfrm>
-            <a:off x="6428773" y="3242106"/>
-            <a:ext cx="1064756" cy="432000"/>
-          </a:xfrm>
-          <a:prstGeom prst="rect">
-            <a:avLst/>
-          </a:prstGeom>
-          <a:noFill/>
-          <a:extLst>
-            <a:ext uri="{909E8E84-426E-40DD-AFC4-6F175D3DCCD1}">
-              <a14:hiddenFill xmlns:a14="http://schemas.microsoft.com/office/drawing/2010/main">
-                <a:solidFill>
-                  <a:srgbClr val="FFFFFF"/>
-                </a:solidFill>
-              </a14:hiddenFill>
-            </a:ext>
-          </a:extLst>
-        </p:spPr>
-      </p:pic>
-      <p:pic>
-        <p:nvPicPr>
-          <p:cNvPr id="2064" name="Picture 16" descr="Related image">
-            <a:extLst>
-              <a:ext uri="{FF2B5EF4-FFF2-40B4-BE49-F238E27FC236}">
-                <a16:creationId xmlns:a16="http://schemas.microsoft.com/office/drawing/2014/main" id="{4D1DDAD3-1C8A-467B-9E9F-34ABD4ABA7AD}"/>
-              </a:ext>
-            </a:extLst>
-          </p:cNvPr>
-          <p:cNvPicPr>
-            <a:picLocks noChangeAspect="1" noChangeArrowheads="1"/>
-          </p:cNvPicPr>
-          <p:nvPr/>
-        </p:nvPicPr>
-        <p:blipFill>
-          <a:blip r:embed="rId18">
-            <a:extLst>
-              <a:ext uri="{28A0092B-C50C-407E-A947-70E740481C1C}">
-                <a14:useLocalDpi xmlns:a14="http://schemas.microsoft.com/office/drawing/2010/main" val="0"/>
-              </a:ext>
-            </a:extLst>
-          </a:blip>
-          <a:srcRect/>
-          <a:stretch>
-            <a:fillRect/>
-          </a:stretch>
-        </p:blipFill>
-        <p:spPr bwMode="auto">
-          <a:xfrm>
-            <a:off x="5887030" y="4090660"/>
-            <a:ext cx="713925" cy="972000"/>
-          </a:xfrm>
-          <a:prstGeom prst="rect">
-            <a:avLst/>
-          </a:prstGeom>
-          <a:noFill/>
-          <a:extLst>
-            <a:ext uri="{909E8E84-426E-40DD-AFC4-6F175D3DCCD1}">
-              <a14:hiddenFill xmlns:a14="http://schemas.microsoft.com/office/drawing/2010/main">
-                <a:solidFill>
-                  <a:srgbClr val="FFFFFF"/>
-                </a:solidFill>
-              </a14:hiddenFill>
-            </a:ext>
-          </a:extLst>
-        </p:spPr>
-      </p:pic>
-      <p:cxnSp>
-        <p:nvCxnSpPr>
-          <p:cNvPr id="4" name="직선 화살표 연결선 3">
-            <a:extLst>
-              <a:ext uri="{FF2B5EF4-FFF2-40B4-BE49-F238E27FC236}">
-                <a16:creationId xmlns:a16="http://schemas.microsoft.com/office/drawing/2014/main" id="{0B9A60F0-3E89-4699-A06A-28D0DC798830}"/>
-              </a:ext>
-            </a:extLst>
-          </p:cNvPr>
-          <p:cNvCxnSpPr/>
-          <p:nvPr/>
-        </p:nvCxnSpPr>
-        <p:spPr>
-          <a:xfrm flipV="1">
-            <a:off x="7838983" y="1784412"/>
-            <a:ext cx="1606858" cy="1744130"/>
-          </a:xfrm>
-          <a:prstGeom prst="straightConnector1">
-            <a:avLst/>
-          </a:prstGeom>
-          <a:ln w="12700">
-            <a:headEnd type="triangle"/>
-            <a:tailEnd type="triangle"/>
-          </a:ln>
-        </p:spPr>
-        <p:style>
-          <a:lnRef idx="1">
-            <a:schemeClr val="accent1"/>
-          </a:lnRef>
-          <a:fillRef idx="0">
-            <a:schemeClr val="accent1"/>
-          </a:fillRef>
-          <a:effectRef idx="0">
-            <a:schemeClr val="accent1"/>
-          </a:effectRef>
-          <a:fontRef idx="minor">
-            <a:schemeClr val="tx1"/>
-          </a:fontRef>
-        </p:style>
-      </p:cxnSp>
-      <p:cxnSp>
-        <p:nvCxnSpPr>
-          <p:cNvPr id="29" name="직선 화살표 연결선 28">
-            <a:extLst>
-              <a:ext uri="{FF2B5EF4-FFF2-40B4-BE49-F238E27FC236}">
-                <a16:creationId xmlns:a16="http://schemas.microsoft.com/office/drawing/2014/main" id="{90A54549-E8E0-4771-9C51-A9E7049DA2F3}"/>
-              </a:ext>
-            </a:extLst>
-          </p:cNvPr>
-          <p:cNvCxnSpPr>
-            <a:cxnSpLocks/>
-          </p:cNvCxnSpPr>
-          <p:nvPr/>
-        </p:nvCxnSpPr>
-        <p:spPr>
-          <a:xfrm flipV="1">
-            <a:off x="8006218" y="3572038"/>
-            <a:ext cx="1571859" cy="6836"/>
-          </a:xfrm>
-          <a:prstGeom prst="straightConnector1">
-            <a:avLst/>
-          </a:prstGeom>
-          <a:ln w="12700">
-            <a:headEnd type="triangle"/>
-            <a:tailEnd type="triangle"/>
-          </a:ln>
-        </p:spPr>
-        <p:style>
-          <a:lnRef idx="1">
-            <a:schemeClr val="accent1"/>
-          </a:lnRef>
-          <a:fillRef idx="0">
-            <a:schemeClr val="accent1"/>
-          </a:fillRef>
-          <a:effectRef idx="0">
-            <a:schemeClr val="accent1"/>
-          </a:effectRef>
-          <a:fontRef idx="minor">
-            <a:schemeClr val="tx1"/>
-          </a:fontRef>
-        </p:style>
-      </p:cxnSp>
-      <p:cxnSp>
-        <p:nvCxnSpPr>
-          <p:cNvPr id="31" name="직선 화살표 연결선 30">
-            <a:extLst>
-              <a:ext uri="{FF2B5EF4-FFF2-40B4-BE49-F238E27FC236}">
-                <a16:creationId xmlns:a16="http://schemas.microsoft.com/office/drawing/2014/main" id="{E8CF1AF9-5672-4B7F-8BCA-A2BF10B0A1EC}"/>
-              </a:ext>
-            </a:extLst>
-          </p:cNvPr>
-          <p:cNvCxnSpPr>
-            <a:cxnSpLocks/>
-          </p:cNvCxnSpPr>
-          <p:nvPr/>
-        </p:nvCxnSpPr>
-        <p:spPr>
-          <a:xfrm>
-            <a:off x="7852645" y="3674105"/>
-            <a:ext cx="1546951" cy="1746000"/>
-          </a:xfrm>
-          <a:prstGeom prst="straightConnector1">
-            <a:avLst/>
-          </a:prstGeom>
-          <a:ln w="12700">
-            <a:headEnd type="triangle"/>
-            <a:tailEnd type="triangle"/>
-          </a:ln>
-        </p:spPr>
-        <p:style>
-          <a:lnRef idx="1">
-            <a:schemeClr val="accent1"/>
-          </a:lnRef>
-          <a:fillRef idx="0">
-            <a:schemeClr val="accent1"/>
-          </a:fillRef>
-          <a:effectRef idx="0">
-            <a:schemeClr val="accent1"/>
-          </a:effectRef>
-          <a:fontRef idx="minor">
-            <a:schemeClr val="tx1"/>
-          </a:fontRef>
-        </p:style>
-      </p:cxnSp>
-      <p:cxnSp>
-        <p:nvCxnSpPr>
-          <p:cNvPr id="17" name="직선 화살표 연결선 16">
-            <a:extLst>
-              <a:ext uri="{FF2B5EF4-FFF2-40B4-BE49-F238E27FC236}">
-                <a16:creationId xmlns:a16="http://schemas.microsoft.com/office/drawing/2014/main" id="{1408B406-302C-489C-B33C-CBDA5D22C22B}"/>
-              </a:ext>
-            </a:extLst>
-          </p:cNvPr>
-          <p:cNvCxnSpPr>
-            <a:cxnSpLocks/>
-          </p:cNvCxnSpPr>
-          <p:nvPr/>
-        </p:nvCxnSpPr>
-        <p:spPr>
-          <a:xfrm>
-            <a:off x="2965142" y="3528542"/>
-            <a:ext cx="1526959" cy="15313"/>
-          </a:xfrm>
-          <a:prstGeom prst="straightConnector1">
-            <a:avLst/>
-          </a:prstGeom>
-          <a:ln>
-            <a:headEnd type="triangle"/>
-            <a:tailEnd type="triangle"/>
-          </a:ln>
-        </p:spPr>
-        <p:style>
-          <a:lnRef idx="1">
-            <a:schemeClr val="accent1"/>
-          </a:lnRef>
-          <a:fillRef idx="0">
-            <a:schemeClr val="accent1"/>
-          </a:fillRef>
-          <a:effectRef idx="0">
-            <a:schemeClr val="accent1"/>
-          </a:effectRef>
-          <a:fontRef idx="minor">
-            <a:schemeClr val="tx1"/>
-          </a:fontRef>
-        </p:style>
-      </p:cxnSp>
+        </p:grpSpPr>
+        <p:pic>
+          <p:nvPicPr>
+            <p:cNvPr id="1032" name="Picture 8" descr="Related image">
+              <a:extLst>
+                <a:ext uri="{FF2B5EF4-FFF2-40B4-BE49-F238E27FC236}">
+                  <a16:creationId xmlns:a16="http://schemas.microsoft.com/office/drawing/2014/main" id="{8EBC3A6B-6AE1-4248-95F9-7434AA5679A7}"/>
+                </a:ext>
+              </a:extLst>
+            </p:cNvPr>
+            <p:cNvPicPr>
+              <a:picLocks noChangeAspect="1" noChangeArrowheads="1"/>
+            </p:cNvPicPr>
+            <p:nvPr/>
+          </p:nvPicPr>
+          <p:blipFill rotWithShape="1">
+            <a:blip r:embed="rId2">
+              <a:extLst>
+                <a:ext uri="{28A0092B-C50C-407E-A947-70E740481C1C}">
+                  <a14:useLocalDpi xmlns:a14="http://schemas.microsoft.com/office/drawing/2010/main" val="0"/>
+                </a:ext>
+              </a:extLst>
+            </a:blip>
+            <a:srcRect l="24576" r="24783"/>
+            <a:stretch/>
+          </p:blipFill>
+          <p:spPr bwMode="auto">
+            <a:xfrm>
+              <a:off x="4603232" y="2649113"/>
+              <a:ext cx="1640761" cy="1080000"/>
+            </a:xfrm>
+            <a:prstGeom prst="rect">
+              <a:avLst/>
+            </a:prstGeom>
+            <a:noFill/>
+            <a:extLst>
+              <a:ext uri="{909E8E84-426E-40DD-AFC4-6F175D3DCCD1}">
+                <a14:hiddenFill xmlns:a14="http://schemas.microsoft.com/office/drawing/2010/main">
+                  <a:solidFill>
+                    <a:srgbClr val="FFFFFF"/>
+                  </a:solidFill>
+                </a14:hiddenFill>
+              </a:ext>
+            </a:extLst>
+          </p:spPr>
+        </p:pic>
+        <p:pic>
+          <p:nvPicPr>
+            <p:cNvPr id="1034" name="Picture 10" descr="Related image">
+              <a:extLst>
+                <a:ext uri="{FF2B5EF4-FFF2-40B4-BE49-F238E27FC236}">
+                  <a16:creationId xmlns:a16="http://schemas.microsoft.com/office/drawing/2014/main" id="{B87D0B83-7CF7-4096-9981-6080D5E32A8C}"/>
+                </a:ext>
+              </a:extLst>
+            </p:cNvPr>
+            <p:cNvPicPr>
+              <a:picLocks noChangeAspect="1" noChangeArrowheads="1"/>
+            </p:cNvPicPr>
+            <p:nvPr/>
+          </p:nvPicPr>
+          <p:blipFill rotWithShape="1">
+            <a:blip r:embed="rId3">
+              <a:extLst>
+                <a:ext uri="{28A0092B-C50C-407E-A947-70E740481C1C}">
+                  <a14:useLocalDpi xmlns:a14="http://schemas.microsoft.com/office/drawing/2010/main" val="0"/>
+                </a:ext>
+              </a:extLst>
+            </a:blip>
+            <a:srcRect l="18656" t="15100" r="19208" b="14065"/>
+            <a:stretch/>
+          </p:blipFill>
+          <p:spPr bwMode="auto">
+            <a:xfrm>
+              <a:off x="5261203" y="5242802"/>
+              <a:ext cx="789474" cy="900000"/>
+            </a:xfrm>
+            <a:prstGeom prst="rect">
+              <a:avLst/>
+            </a:prstGeom>
+            <a:noFill/>
+            <a:extLst>
+              <a:ext uri="{909E8E84-426E-40DD-AFC4-6F175D3DCCD1}">
+                <a14:hiddenFill xmlns:a14="http://schemas.microsoft.com/office/drawing/2010/main">
+                  <a:solidFill>
+                    <a:srgbClr val="FFFFFF"/>
+                  </a:solidFill>
+                </a14:hiddenFill>
+              </a:ext>
+            </a:extLst>
+          </p:spPr>
+        </p:pic>
+        <p:pic>
+          <p:nvPicPr>
+            <p:cNvPr id="9" name="그래픽 8" descr="사용자">
+              <a:extLst>
+                <a:ext uri="{FF2B5EF4-FFF2-40B4-BE49-F238E27FC236}">
+                  <a16:creationId xmlns:a16="http://schemas.microsoft.com/office/drawing/2014/main" id="{5FB4477A-85B1-41C9-B60A-D4CD90894C94}"/>
+                </a:ext>
+              </a:extLst>
+            </p:cNvPr>
+            <p:cNvPicPr>
+              <a:picLocks noChangeAspect="1"/>
+            </p:cNvPicPr>
+            <p:nvPr/>
+          </p:nvPicPr>
+          <p:blipFill>
+            <a:blip r:embed="rId4">
+              <a:extLst>
+                <a:ext uri="{28A0092B-C50C-407E-A947-70E740481C1C}">
+                  <a14:useLocalDpi xmlns:a14="http://schemas.microsoft.com/office/drawing/2010/main" val="0"/>
+                </a:ext>
+                <a:ext uri="{96DAC541-7B7A-43D3-8B79-37D633B846F1}">
+                  <asvg:svgBlip xmlns:asvg="http://schemas.microsoft.com/office/drawing/2016/SVG/main" r:embed="rId5"/>
+                </a:ext>
+              </a:extLst>
+            </a:blip>
+            <a:stretch>
+              <a:fillRect/>
+            </a:stretch>
+          </p:blipFill>
+          <p:spPr>
+            <a:xfrm>
+              <a:off x="808783" y="3121674"/>
+              <a:ext cx="914400" cy="914400"/>
+            </a:xfrm>
+            <a:prstGeom prst="rect">
+              <a:avLst/>
+            </a:prstGeom>
+          </p:spPr>
+        </p:pic>
+        <p:pic>
+          <p:nvPicPr>
+            <p:cNvPr id="1028" name="Picture 4" descr="Image result for node">
+              <a:extLst>
+                <a:ext uri="{FF2B5EF4-FFF2-40B4-BE49-F238E27FC236}">
+                  <a16:creationId xmlns:a16="http://schemas.microsoft.com/office/drawing/2014/main" id="{51CEE091-EBB3-4209-A463-019FF30F3D9E}"/>
+                </a:ext>
+              </a:extLst>
+            </p:cNvPr>
+            <p:cNvPicPr>
+              <a:picLocks noChangeAspect="1" noChangeArrowheads="1"/>
+            </p:cNvPicPr>
+            <p:nvPr/>
+          </p:nvPicPr>
+          <p:blipFill>
+            <a:blip r:embed="rId6">
+              <a:extLst>
+                <a:ext uri="{28A0092B-C50C-407E-A947-70E740481C1C}">
+                  <a14:useLocalDpi xmlns:a14="http://schemas.microsoft.com/office/drawing/2010/main" val="0"/>
+                </a:ext>
+              </a:extLst>
+            </a:blip>
+            <a:srcRect/>
+            <a:stretch>
+              <a:fillRect/>
+            </a:stretch>
+          </p:blipFill>
+          <p:spPr bwMode="auto">
+            <a:xfrm>
+              <a:off x="6334689" y="2634906"/>
+              <a:ext cx="1033501" cy="648000"/>
+            </a:xfrm>
+            <a:prstGeom prst="rect">
+              <a:avLst/>
+            </a:prstGeom>
+            <a:noFill/>
+            <a:extLst>
+              <a:ext uri="{909E8E84-426E-40DD-AFC4-6F175D3DCCD1}">
+                <a14:hiddenFill xmlns:a14="http://schemas.microsoft.com/office/drawing/2010/main">
+                  <a:solidFill>
+                    <a:srgbClr val="FFFFFF"/>
+                  </a:solidFill>
+                </a14:hiddenFill>
+              </a:ext>
+            </a:extLst>
+          </p:spPr>
+        </p:pic>
+        <p:pic>
+          <p:nvPicPr>
+            <p:cNvPr id="12" name="그래픽 11" descr="모니터">
+              <a:extLst>
+                <a:ext uri="{FF2B5EF4-FFF2-40B4-BE49-F238E27FC236}">
+                  <a16:creationId xmlns:a16="http://schemas.microsoft.com/office/drawing/2014/main" id="{F2253316-AE69-4F46-8742-78788AD077AA}"/>
+                </a:ext>
+              </a:extLst>
+            </p:cNvPr>
+            <p:cNvPicPr>
+              <a:picLocks noChangeAspect="1"/>
+            </p:cNvPicPr>
+            <p:nvPr/>
+          </p:nvPicPr>
+          <p:blipFill>
+            <a:blip r:embed="rId7">
+              <a:extLst>
+                <a:ext uri="{28A0092B-C50C-407E-A947-70E740481C1C}">
+                  <a14:useLocalDpi xmlns:a14="http://schemas.microsoft.com/office/drawing/2010/main" val="0"/>
+                </a:ext>
+                <a:ext uri="{96DAC541-7B7A-43D3-8B79-37D633B846F1}">
+                  <asvg:svgBlip xmlns:asvg="http://schemas.microsoft.com/office/drawing/2016/SVG/main" r:embed="rId8"/>
+                </a:ext>
+              </a:extLst>
+            </a:blip>
+            <a:stretch>
+              <a:fillRect/>
+            </a:stretch>
+          </p:blipFill>
+          <p:spPr>
+            <a:xfrm>
+              <a:off x="1907963" y="2514600"/>
+              <a:ext cx="914400" cy="914400"/>
+            </a:xfrm>
+            <a:prstGeom prst="rect">
+              <a:avLst/>
+            </a:prstGeom>
+          </p:spPr>
+        </p:pic>
+        <p:pic>
+          <p:nvPicPr>
+            <p:cNvPr id="14" name="그래픽 13" descr="스마트폰">
+              <a:extLst>
+                <a:ext uri="{FF2B5EF4-FFF2-40B4-BE49-F238E27FC236}">
+                  <a16:creationId xmlns:a16="http://schemas.microsoft.com/office/drawing/2014/main" id="{20D644DA-E503-4C1B-83B8-13F8C6153EAA}"/>
+                </a:ext>
+              </a:extLst>
+            </p:cNvPr>
+            <p:cNvPicPr>
+              <a:picLocks noChangeAspect="1"/>
+            </p:cNvPicPr>
+            <p:nvPr/>
+          </p:nvPicPr>
+          <p:blipFill>
+            <a:blip r:embed="rId9">
+              <a:extLst>
+                <a:ext uri="{28A0092B-C50C-407E-A947-70E740481C1C}">
+                  <a14:useLocalDpi xmlns:a14="http://schemas.microsoft.com/office/drawing/2010/main" val="0"/>
+                </a:ext>
+                <a:ext uri="{96DAC541-7B7A-43D3-8B79-37D633B846F1}">
+                  <asvg:svgBlip xmlns:asvg="http://schemas.microsoft.com/office/drawing/2016/SVG/main" r:embed="rId10"/>
+                </a:ext>
+              </a:extLst>
+            </a:blip>
+            <a:stretch>
+              <a:fillRect/>
+            </a:stretch>
+          </p:blipFill>
+          <p:spPr>
+            <a:xfrm>
+              <a:off x="1909024" y="3768429"/>
+              <a:ext cx="914400" cy="914400"/>
+            </a:xfrm>
+            <a:prstGeom prst="rect">
+              <a:avLst/>
+            </a:prstGeom>
+          </p:spPr>
+        </p:pic>
+        <p:pic>
+          <p:nvPicPr>
+            <p:cNvPr id="13" name="Picture 12" descr="Image result for postgresql">
+              <a:extLst>
+                <a:ext uri="{FF2B5EF4-FFF2-40B4-BE49-F238E27FC236}">
+                  <a16:creationId xmlns:a16="http://schemas.microsoft.com/office/drawing/2014/main" id="{57F23D55-4B6B-4CC1-89FF-E99902897C93}"/>
+                </a:ext>
+              </a:extLst>
+            </p:cNvPr>
+            <p:cNvPicPr>
+              <a:picLocks noChangeAspect="1" noChangeArrowheads="1"/>
+            </p:cNvPicPr>
+            <p:nvPr/>
+          </p:nvPicPr>
+          <p:blipFill>
+            <a:blip r:embed="rId11">
+              <a:extLst>
+                <a:ext uri="{28A0092B-C50C-407E-A947-70E740481C1C}">
+                  <a14:useLocalDpi xmlns:a14="http://schemas.microsoft.com/office/drawing/2010/main" val="0"/>
+                </a:ext>
+              </a:extLst>
+            </a:blip>
+            <a:srcRect/>
+            <a:stretch>
+              <a:fillRect/>
+            </a:stretch>
+          </p:blipFill>
+          <p:spPr bwMode="auto">
+            <a:xfrm>
+              <a:off x="6164733" y="5259402"/>
+              <a:ext cx="1197843" cy="900000"/>
+            </a:xfrm>
+            <a:prstGeom prst="rect">
+              <a:avLst/>
+            </a:prstGeom>
+            <a:noFill/>
+            <a:extLst>
+              <a:ext uri="{909E8E84-426E-40DD-AFC4-6F175D3DCCD1}">
+                <a14:hiddenFill xmlns:a14="http://schemas.microsoft.com/office/drawing/2010/main">
+                  <a:solidFill>
+                    <a:srgbClr val="FFFFFF"/>
+                  </a:solidFill>
+                </a14:hiddenFill>
+              </a:ext>
+            </a:extLst>
+          </p:spPr>
+        </p:pic>
+        <p:pic>
+          <p:nvPicPr>
+            <p:cNvPr id="15" name="Picture 14" descr="Image result for webrtc">
+              <a:extLst>
+                <a:ext uri="{FF2B5EF4-FFF2-40B4-BE49-F238E27FC236}">
+                  <a16:creationId xmlns:a16="http://schemas.microsoft.com/office/drawing/2014/main" id="{6A7D657A-C848-4A49-B094-ADBC25842026}"/>
+                </a:ext>
+              </a:extLst>
+            </p:cNvPr>
+            <p:cNvPicPr>
+              <a:picLocks noChangeAspect="1" noChangeArrowheads="1"/>
+            </p:cNvPicPr>
+            <p:nvPr/>
+          </p:nvPicPr>
+          <p:blipFill>
+            <a:blip r:embed="rId12">
+              <a:extLst>
+                <a:ext uri="{28A0092B-C50C-407E-A947-70E740481C1C}">
+                  <a14:useLocalDpi xmlns:a14="http://schemas.microsoft.com/office/drawing/2010/main" val="0"/>
+                </a:ext>
+              </a:extLst>
+            </a:blip>
+            <a:srcRect/>
+            <a:stretch>
+              <a:fillRect/>
+            </a:stretch>
+          </p:blipFill>
+          <p:spPr bwMode="auto">
+            <a:xfrm>
+              <a:off x="10072152" y="634371"/>
+              <a:ext cx="1791457" cy="1440000"/>
+            </a:xfrm>
+            <a:prstGeom prst="rect">
+              <a:avLst/>
+            </a:prstGeom>
+            <a:noFill/>
+            <a:extLst>
+              <a:ext uri="{909E8E84-426E-40DD-AFC4-6F175D3DCCD1}">
+                <a14:hiddenFill xmlns:a14="http://schemas.microsoft.com/office/drawing/2010/main">
+                  <a:solidFill>
+                    <a:srgbClr val="FFFFFF"/>
+                  </a:solidFill>
+                </a14:hiddenFill>
+              </a:ext>
+            </a:extLst>
+          </p:spPr>
+        </p:pic>
+        <p:pic>
+          <p:nvPicPr>
+            <p:cNvPr id="2050" name="Picture 2" descr="Image result for ì½ëìëí° ìì´ì½">
+              <a:extLst>
+                <a:ext uri="{FF2B5EF4-FFF2-40B4-BE49-F238E27FC236}">
+                  <a16:creationId xmlns:a16="http://schemas.microsoft.com/office/drawing/2014/main" id="{13DE752A-179B-42A0-AEC6-BBA9416D96E9}"/>
+                </a:ext>
+              </a:extLst>
+            </p:cNvPr>
+            <p:cNvPicPr>
+              <a:picLocks noChangeAspect="1" noChangeArrowheads="1"/>
+            </p:cNvPicPr>
+            <p:nvPr/>
+          </p:nvPicPr>
+          <p:blipFill rotWithShape="1">
+            <a:blip r:embed="rId13">
+              <a:extLst>
+                <a:ext uri="{28A0092B-C50C-407E-A947-70E740481C1C}">
+                  <a14:useLocalDpi xmlns:a14="http://schemas.microsoft.com/office/drawing/2010/main" val="0"/>
+                </a:ext>
+              </a:extLst>
+            </a:blip>
+            <a:srcRect l="9068" t="14131" r="9379" b="14724"/>
+            <a:stretch/>
+          </p:blipFill>
+          <p:spPr bwMode="auto">
+            <a:xfrm>
+              <a:off x="10072152" y="3065400"/>
+              <a:ext cx="1650655" cy="1080000"/>
+            </a:xfrm>
+            <a:prstGeom prst="rect">
+              <a:avLst/>
+            </a:prstGeom>
+            <a:noFill/>
+            <a:extLst>
+              <a:ext uri="{909E8E84-426E-40DD-AFC4-6F175D3DCCD1}">
+                <a14:hiddenFill xmlns:a14="http://schemas.microsoft.com/office/drawing/2010/main">
+                  <a:solidFill>
+                    <a:srgbClr val="FFFFFF"/>
+                  </a:solidFill>
+                </a14:hiddenFill>
+              </a:ext>
+            </a:extLst>
+          </p:spPr>
+        </p:pic>
+        <p:sp>
+          <p:nvSpPr>
+            <p:cNvPr id="2" name="TextBox 1">
+              <a:extLst>
+                <a:ext uri="{FF2B5EF4-FFF2-40B4-BE49-F238E27FC236}">
+                  <a16:creationId xmlns:a16="http://schemas.microsoft.com/office/drawing/2014/main" id="{587405FA-1720-403D-BA26-E278BB1BC056}"/>
+                </a:ext>
+              </a:extLst>
+            </p:cNvPr>
+            <p:cNvSpPr txBox="1"/>
+            <p:nvPr/>
+          </p:nvSpPr>
+          <p:spPr>
+            <a:xfrm>
+              <a:off x="10305678" y="2121701"/>
+              <a:ext cx="1324402" cy="307777"/>
+            </a:xfrm>
+            <a:prstGeom prst="rect">
+              <a:avLst/>
+            </a:prstGeom>
+            <a:noFill/>
+          </p:spPr>
+          <p:txBody>
+            <a:bodyPr wrap="none" rtlCol="0">
+              <a:spAutoFit/>
+            </a:bodyPr>
+            <a:lstStyle/>
+            <a:p>
+              <a:r>
+                <a:rPr lang="ko-KR" altLang="en-US" sz="1400"/>
+                <a:t>강의 스트리밍</a:t>
+              </a:r>
+              <a:endParaRPr lang="ko-KR" altLang="en-US" sz="1400" dirty="0"/>
+            </a:p>
+          </p:txBody>
+        </p:sp>
+        <p:sp>
+          <p:nvSpPr>
+            <p:cNvPr id="19" name="TextBox 18">
+              <a:extLst>
+                <a:ext uri="{FF2B5EF4-FFF2-40B4-BE49-F238E27FC236}">
+                  <a16:creationId xmlns:a16="http://schemas.microsoft.com/office/drawing/2014/main" id="{9C61E05E-0FB6-4960-B71C-DBB791EA136E}"/>
+                </a:ext>
+              </a:extLst>
+            </p:cNvPr>
+            <p:cNvSpPr txBox="1"/>
+            <p:nvPr/>
+          </p:nvSpPr>
+          <p:spPr>
+            <a:xfrm>
+              <a:off x="10440331" y="4192729"/>
+              <a:ext cx="1055097" cy="307777"/>
+            </a:xfrm>
+            <a:prstGeom prst="rect">
+              <a:avLst/>
+            </a:prstGeom>
+            <a:noFill/>
+          </p:spPr>
+          <p:txBody>
+            <a:bodyPr wrap="none" rtlCol="0">
+              <a:spAutoFit/>
+            </a:bodyPr>
+            <a:lstStyle/>
+            <a:p>
+              <a:r>
+                <a:rPr lang="ko-KR" altLang="en-US" sz="1400" dirty="0"/>
+                <a:t>온라인 </a:t>
+              </a:r>
+              <a:r>
+                <a:rPr lang="en-US" altLang="ko-KR" sz="1400" dirty="0"/>
+                <a:t>IDE</a:t>
+              </a:r>
+              <a:endParaRPr lang="ko-KR" altLang="en-US" sz="1400" dirty="0"/>
+            </a:p>
+          </p:txBody>
+        </p:sp>
+        <p:sp>
+          <p:nvSpPr>
+            <p:cNvPr id="20" name="TextBox 19">
+              <a:extLst>
+                <a:ext uri="{FF2B5EF4-FFF2-40B4-BE49-F238E27FC236}">
+                  <a16:creationId xmlns:a16="http://schemas.microsoft.com/office/drawing/2014/main" id="{85689C66-03D5-4003-90EB-2FFDDA48BB8F}"/>
+                </a:ext>
+              </a:extLst>
+            </p:cNvPr>
+            <p:cNvSpPr txBox="1"/>
+            <p:nvPr/>
+          </p:nvSpPr>
+          <p:spPr>
+            <a:xfrm>
+              <a:off x="10305678" y="5915852"/>
+              <a:ext cx="1324402" cy="307777"/>
+            </a:xfrm>
+            <a:prstGeom prst="rect">
+              <a:avLst/>
+            </a:prstGeom>
+            <a:noFill/>
+          </p:spPr>
+          <p:txBody>
+            <a:bodyPr wrap="none" rtlCol="0">
+              <a:spAutoFit/>
+            </a:bodyPr>
+            <a:lstStyle/>
+            <a:p>
+              <a:r>
+                <a:rPr lang="ko-KR" altLang="en-US" sz="1400"/>
+                <a:t>프로젝트 분석</a:t>
+              </a:r>
+              <a:endParaRPr lang="ko-KR" altLang="en-US" sz="1400" dirty="0"/>
+            </a:p>
+          </p:txBody>
+        </p:sp>
+        <p:cxnSp>
+          <p:nvCxnSpPr>
+            <p:cNvPr id="21" name="직선 연결선 20">
+              <a:extLst>
+                <a:ext uri="{FF2B5EF4-FFF2-40B4-BE49-F238E27FC236}">
+                  <a16:creationId xmlns:a16="http://schemas.microsoft.com/office/drawing/2014/main" id="{37CAA655-9275-468D-9331-80FC6F027435}"/>
+                </a:ext>
+              </a:extLst>
+            </p:cNvPr>
+            <p:cNvCxnSpPr/>
+            <p:nvPr/>
+          </p:nvCxnSpPr>
+          <p:spPr>
+            <a:xfrm>
+              <a:off x="9756558" y="702509"/>
+              <a:ext cx="0" cy="5752730"/>
+            </a:xfrm>
+            <a:prstGeom prst="line">
+              <a:avLst/>
+            </a:prstGeom>
+            <a:ln w="28575"/>
+          </p:spPr>
+          <p:style>
+            <a:lnRef idx="1">
+              <a:schemeClr val="accent1"/>
+            </a:lnRef>
+            <a:fillRef idx="0">
+              <a:schemeClr val="accent1"/>
+            </a:fillRef>
+            <a:effectRef idx="0">
+              <a:schemeClr val="accent1"/>
+            </a:effectRef>
+            <a:fontRef idx="minor">
+              <a:schemeClr val="tx1"/>
+            </a:fontRef>
+          </p:style>
+        </p:cxnSp>
+        <p:pic>
+          <p:nvPicPr>
+            <p:cNvPr id="2058" name="Picture 10" descr="Related image">
+              <a:extLst>
+                <a:ext uri="{FF2B5EF4-FFF2-40B4-BE49-F238E27FC236}">
+                  <a16:creationId xmlns:a16="http://schemas.microsoft.com/office/drawing/2014/main" id="{8690263F-D68E-4631-BAE6-CF545A561984}"/>
+                </a:ext>
+              </a:extLst>
+            </p:cNvPr>
+            <p:cNvPicPr>
+              <a:picLocks noChangeAspect="1" noChangeArrowheads="1"/>
+            </p:cNvPicPr>
+            <p:nvPr/>
+          </p:nvPicPr>
+          <p:blipFill>
+            <a:blip r:embed="rId14">
+              <a:extLst>
+                <a:ext uri="{28A0092B-C50C-407E-A947-70E740481C1C}">
+                  <a14:useLocalDpi xmlns:a14="http://schemas.microsoft.com/office/drawing/2010/main" val="0"/>
+                </a:ext>
+              </a:extLst>
+            </a:blip>
+            <a:srcRect/>
+            <a:stretch>
+              <a:fillRect/>
+            </a:stretch>
+          </p:blipFill>
+          <p:spPr bwMode="auto">
+            <a:xfrm>
+              <a:off x="6224926" y="1246653"/>
+              <a:ext cx="1201667" cy="1440000"/>
+            </a:xfrm>
+            <a:prstGeom prst="rect">
+              <a:avLst/>
+            </a:prstGeom>
+            <a:noFill/>
+            <a:extLst>
+              <a:ext uri="{909E8E84-426E-40DD-AFC4-6F175D3DCCD1}">
+                <a14:hiddenFill xmlns:a14="http://schemas.microsoft.com/office/drawing/2010/main">
+                  <a:solidFill>
+                    <a:srgbClr val="FFFFFF"/>
+                  </a:solidFill>
+                </a14:hiddenFill>
+              </a:ext>
+            </a:extLst>
+          </p:spPr>
+        </p:pic>
+        <p:pic>
+          <p:nvPicPr>
+            <p:cNvPr id="2062" name="Picture 14" descr="Related image">
+              <a:extLst>
+                <a:ext uri="{FF2B5EF4-FFF2-40B4-BE49-F238E27FC236}">
+                  <a16:creationId xmlns:a16="http://schemas.microsoft.com/office/drawing/2014/main" id="{74A621D4-A5F7-4735-993F-28C9AA93E927}"/>
+                </a:ext>
+              </a:extLst>
+            </p:cNvPr>
+            <p:cNvPicPr>
+              <a:picLocks noChangeAspect="1" noChangeArrowheads="1"/>
+            </p:cNvPicPr>
+            <p:nvPr/>
+          </p:nvPicPr>
+          <p:blipFill rotWithShape="1">
+            <a:blip r:embed="rId15">
+              <a:extLst>
+                <a:ext uri="{28A0092B-C50C-407E-A947-70E740481C1C}">
+                  <a14:useLocalDpi xmlns:a14="http://schemas.microsoft.com/office/drawing/2010/main" val="0"/>
+                </a:ext>
+              </a:extLst>
+            </a:blip>
+            <a:srcRect l="5477" t="15556" r="2950" b="18727"/>
+            <a:stretch/>
+          </p:blipFill>
+          <p:spPr bwMode="auto">
+            <a:xfrm>
+              <a:off x="4796550" y="1589911"/>
+              <a:ext cx="1254127" cy="900000"/>
+            </a:xfrm>
+            <a:prstGeom prst="rect">
+              <a:avLst/>
+            </a:prstGeom>
+            <a:noFill/>
+            <a:extLst>
+              <a:ext uri="{909E8E84-426E-40DD-AFC4-6F175D3DCCD1}">
+                <a14:hiddenFill xmlns:a14="http://schemas.microsoft.com/office/drawing/2010/main">
+                  <a:solidFill>
+                    <a:srgbClr val="FFFFFF"/>
+                  </a:solidFill>
+                </a14:hiddenFill>
+              </a:ext>
+            </a:extLst>
+          </p:spPr>
+        </p:pic>
+        <p:pic>
+          <p:nvPicPr>
+            <p:cNvPr id="1030" name="Picture 6" descr="Image result for koajs">
+              <a:extLst>
+                <a:ext uri="{FF2B5EF4-FFF2-40B4-BE49-F238E27FC236}">
+                  <a16:creationId xmlns:a16="http://schemas.microsoft.com/office/drawing/2014/main" id="{EFDE09E3-FB39-4620-94F4-E9874087427A}"/>
+                </a:ext>
+              </a:extLst>
+            </p:cNvPr>
+            <p:cNvPicPr>
+              <a:picLocks noChangeAspect="1" noChangeArrowheads="1"/>
+            </p:cNvPicPr>
+            <p:nvPr/>
+          </p:nvPicPr>
+          <p:blipFill rotWithShape="1">
+            <a:blip r:embed="rId16">
+              <a:extLst>
+                <a:ext uri="{28A0092B-C50C-407E-A947-70E740481C1C}">
+                  <a14:useLocalDpi xmlns:a14="http://schemas.microsoft.com/office/drawing/2010/main" val="0"/>
+                </a:ext>
+              </a:extLst>
+            </a:blip>
+            <a:srcRect l="12232" t="22137" r="11167" b="37734"/>
+            <a:stretch/>
+          </p:blipFill>
+          <p:spPr bwMode="auto">
+            <a:xfrm>
+              <a:off x="6428773" y="3242106"/>
+              <a:ext cx="1064756" cy="432000"/>
+            </a:xfrm>
+            <a:prstGeom prst="rect">
+              <a:avLst/>
+            </a:prstGeom>
+            <a:noFill/>
+            <a:extLst>
+              <a:ext uri="{909E8E84-426E-40DD-AFC4-6F175D3DCCD1}">
+                <a14:hiddenFill xmlns:a14="http://schemas.microsoft.com/office/drawing/2010/main">
+                  <a:solidFill>
+                    <a:srgbClr val="FFFFFF"/>
+                  </a:solidFill>
+                </a14:hiddenFill>
+              </a:ext>
+            </a:extLst>
+          </p:spPr>
+        </p:pic>
+        <p:pic>
+          <p:nvPicPr>
+            <p:cNvPr id="2064" name="Picture 16" descr="Related image">
+              <a:extLst>
+                <a:ext uri="{FF2B5EF4-FFF2-40B4-BE49-F238E27FC236}">
+                  <a16:creationId xmlns:a16="http://schemas.microsoft.com/office/drawing/2014/main" id="{4D1DDAD3-1C8A-467B-9E9F-34ABD4ABA7AD}"/>
+                </a:ext>
+              </a:extLst>
+            </p:cNvPr>
+            <p:cNvPicPr>
+              <a:picLocks noChangeAspect="1" noChangeArrowheads="1"/>
+            </p:cNvPicPr>
+            <p:nvPr/>
+          </p:nvPicPr>
+          <p:blipFill>
+            <a:blip r:embed="rId17">
+              <a:extLst>
+                <a:ext uri="{28A0092B-C50C-407E-A947-70E740481C1C}">
+                  <a14:useLocalDpi xmlns:a14="http://schemas.microsoft.com/office/drawing/2010/main" val="0"/>
+                </a:ext>
+              </a:extLst>
+            </a:blip>
+            <a:srcRect/>
+            <a:stretch>
+              <a:fillRect/>
+            </a:stretch>
+          </p:blipFill>
+          <p:spPr bwMode="auto">
+            <a:xfrm>
+              <a:off x="5887030" y="4090660"/>
+              <a:ext cx="713925" cy="972000"/>
+            </a:xfrm>
+            <a:prstGeom prst="rect">
+              <a:avLst/>
+            </a:prstGeom>
+            <a:noFill/>
+            <a:extLst>
+              <a:ext uri="{909E8E84-426E-40DD-AFC4-6F175D3DCCD1}">
+                <a14:hiddenFill xmlns:a14="http://schemas.microsoft.com/office/drawing/2010/main">
+                  <a:solidFill>
+                    <a:srgbClr val="FFFFFF"/>
+                  </a:solidFill>
+                </a14:hiddenFill>
+              </a:ext>
+            </a:extLst>
+          </p:spPr>
+        </p:pic>
+        <p:cxnSp>
+          <p:nvCxnSpPr>
+            <p:cNvPr id="4" name="직선 화살표 연결선 3">
+              <a:extLst>
+                <a:ext uri="{FF2B5EF4-FFF2-40B4-BE49-F238E27FC236}">
+                  <a16:creationId xmlns:a16="http://schemas.microsoft.com/office/drawing/2014/main" id="{0B9A60F0-3E89-4699-A06A-28D0DC798830}"/>
+                </a:ext>
+              </a:extLst>
+            </p:cNvPr>
+            <p:cNvCxnSpPr/>
+            <p:nvPr/>
+          </p:nvCxnSpPr>
+          <p:spPr>
+            <a:xfrm flipV="1">
+              <a:off x="7838983" y="1784412"/>
+              <a:ext cx="1606858" cy="1744130"/>
+            </a:xfrm>
+            <a:prstGeom prst="straightConnector1">
+              <a:avLst/>
+            </a:prstGeom>
+            <a:ln w="12700">
+              <a:headEnd type="triangle"/>
+              <a:tailEnd type="triangle"/>
+            </a:ln>
+          </p:spPr>
+          <p:style>
+            <a:lnRef idx="1">
+              <a:schemeClr val="accent1"/>
+            </a:lnRef>
+            <a:fillRef idx="0">
+              <a:schemeClr val="accent1"/>
+            </a:fillRef>
+            <a:effectRef idx="0">
+              <a:schemeClr val="accent1"/>
+            </a:effectRef>
+            <a:fontRef idx="minor">
+              <a:schemeClr val="tx1"/>
+            </a:fontRef>
+          </p:style>
+        </p:cxnSp>
+        <p:cxnSp>
+          <p:nvCxnSpPr>
+            <p:cNvPr id="29" name="직선 화살표 연결선 28">
+              <a:extLst>
+                <a:ext uri="{FF2B5EF4-FFF2-40B4-BE49-F238E27FC236}">
+                  <a16:creationId xmlns:a16="http://schemas.microsoft.com/office/drawing/2014/main" id="{90A54549-E8E0-4771-9C51-A9E7049DA2F3}"/>
+                </a:ext>
+              </a:extLst>
+            </p:cNvPr>
+            <p:cNvCxnSpPr>
+              <a:cxnSpLocks/>
+            </p:cNvCxnSpPr>
+            <p:nvPr/>
+          </p:nvCxnSpPr>
+          <p:spPr>
+            <a:xfrm flipV="1">
+              <a:off x="8006218" y="3572038"/>
+              <a:ext cx="1571859" cy="6836"/>
+            </a:xfrm>
+            <a:prstGeom prst="straightConnector1">
+              <a:avLst/>
+            </a:prstGeom>
+            <a:ln w="12700">
+              <a:headEnd type="triangle"/>
+              <a:tailEnd type="triangle"/>
+            </a:ln>
+          </p:spPr>
+          <p:style>
+            <a:lnRef idx="1">
+              <a:schemeClr val="accent1"/>
+            </a:lnRef>
+            <a:fillRef idx="0">
+              <a:schemeClr val="accent1"/>
+            </a:fillRef>
+            <a:effectRef idx="0">
+              <a:schemeClr val="accent1"/>
+            </a:effectRef>
+            <a:fontRef idx="minor">
+              <a:schemeClr val="tx1"/>
+            </a:fontRef>
+          </p:style>
+        </p:cxnSp>
+        <p:cxnSp>
+          <p:nvCxnSpPr>
+            <p:cNvPr id="31" name="직선 화살표 연결선 30">
+              <a:extLst>
+                <a:ext uri="{FF2B5EF4-FFF2-40B4-BE49-F238E27FC236}">
+                  <a16:creationId xmlns:a16="http://schemas.microsoft.com/office/drawing/2014/main" id="{E8CF1AF9-5672-4B7F-8BCA-A2BF10B0A1EC}"/>
+                </a:ext>
+              </a:extLst>
+            </p:cNvPr>
+            <p:cNvCxnSpPr>
+              <a:cxnSpLocks/>
+            </p:cNvCxnSpPr>
+            <p:nvPr/>
+          </p:nvCxnSpPr>
+          <p:spPr>
+            <a:xfrm>
+              <a:off x="7852645" y="3674105"/>
+              <a:ext cx="1546951" cy="1746000"/>
+            </a:xfrm>
+            <a:prstGeom prst="straightConnector1">
+              <a:avLst/>
+            </a:prstGeom>
+            <a:ln w="12700">
+              <a:headEnd type="triangle"/>
+              <a:tailEnd type="triangle"/>
+            </a:ln>
+          </p:spPr>
+          <p:style>
+            <a:lnRef idx="1">
+              <a:schemeClr val="accent1"/>
+            </a:lnRef>
+            <a:fillRef idx="0">
+              <a:schemeClr val="accent1"/>
+            </a:fillRef>
+            <a:effectRef idx="0">
+              <a:schemeClr val="accent1"/>
+            </a:effectRef>
+            <a:fontRef idx="minor">
+              <a:schemeClr val="tx1"/>
+            </a:fontRef>
+          </p:style>
+        </p:cxnSp>
+        <p:cxnSp>
+          <p:nvCxnSpPr>
+            <p:cNvPr id="17" name="직선 화살표 연결선 16">
+              <a:extLst>
+                <a:ext uri="{FF2B5EF4-FFF2-40B4-BE49-F238E27FC236}">
+                  <a16:creationId xmlns:a16="http://schemas.microsoft.com/office/drawing/2014/main" id="{1408B406-302C-489C-B33C-CBDA5D22C22B}"/>
+                </a:ext>
+              </a:extLst>
+            </p:cNvPr>
+            <p:cNvCxnSpPr>
+              <a:cxnSpLocks/>
+            </p:cNvCxnSpPr>
+            <p:nvPr/>
+          </p:nvCxnSpPr>
+          <p:spPr>
+            <a:xfrm>
+              <a:off x="2965142" y="3528542"/>
+              <a:ext cx="1526959" cy="15313"/>
+            </a:xfrm>
+            <a:prstGeom prst="straightConnector1">
+              <a:avLst/>
+            </a:prstGeom>
+            <a:ln>
+              <a:headEnd type="triangle"/>
+              <a:tailEnd type="triangle"/>
+            </a:ln>
+          </p:spPr>
+          <p:style>
+            <a:lnRef idx="1">
+              <a:schemeClr val="accent1"/>
+            </a:lnRef>
+            <a:fillRef idx="0">
+              <a:schemeClr val="accent1"/>
+            </a:fillRef>
+            <a:effectRef idx="0">
+              <a:schemeClr val="accent1"/>
+            </a:effectRef>
+            <a:fontRef idx="minor">
+              <a:schemeClr val="tx1"/>
+            </a:fontRef>
+          </p:style>
+        </p:cxnSp>
+        <p:pic>
+          <p:nvPicPr>
+            <p:cNvPr id="3" name="Picture 4" descr="Image result for ìëíë¸ ë¡ê³ ">
+              <a:extLst>
+                <a:ext uri="{FF2B5EF4-FFF2-40B4-BE49-F238E27FC236}">
+                  <a16:creationId xmlns:a16="http://schemas.microsoft.com/office/drawing/2014/main" id="{86EFADC8-2E9E-40D6-8A93-741190EF3569}"/>
+                </a:ext>
+              </a:extLst>
+            </p:cNvPr>
+            <p:cNvPicPr>
+              <a:picLocks noChangeAspect="1" noChangeArrowheads="1"/>
+            </p:cNvPicPr>
+            <p:nvPr/>
+          </p:nvPicPr>
+          <p:blipFill rotWithShape="1">
+            <a:blip r:embed="rId18">
+              <a:extLst>
+                <a:ext uri="{28A0092B-C50C-407E-A947-70E740481C1C}">
+                  <a14:useLocalDpi xmlns:a14="http://schemas.microsoft.com/office/drawing/2010/main" val="0"/>
+                </a:ext>
+              </a:extLst>
+            </a:blip>
+            <a:srcRect l="33478" r="31531"/>
+            <a:stretch/>
+          </p:blipFill>
+          <p:spPr bwMode="auto">
+            <a:xfrm>
+              <a:off x="10067276" y="4855613"/>
+              <a:ext cx="1791452" cy="1080000"/>
+            </a:xfrm>
+            <a:prstGeom prst="rect">
+              <a:avLst/>
+            </a:prstGeom>
+            <a:noFill/>
+            <a:extLst>
+              <a:ext uri="{909E8E84-426E-40DD-AFC4-6F175D3DCCD1}">
+                <a14:hiddenFill xmlns:a14="http://schemas.microsoft.com/office/drawing/2010/main">
+                  <a:solidFill>
+                    <a:srgbClr val="FFFFFF"/>
+                  </a:solidFill>
+                </a14:hiddenFill>
+              </a:ext>
+            </a:extLst>
+          </p:spPr>
+        </p:pic>
+      </p:grpSp>
     </p:spTree>
     <p:extLst>
       <p:ext uri="{BB962C8B-B14F-4D97-AF65-F5344CB8AC3E}">
